--- a/powerpoint point/Projet web site de Speedrun.pptx
+++ b/powerpoint point/Projet web site de Speedrun.pptx
@@ -36,7 +36,7 @@
       <p:bold r:id="rId19"/>
     </p:embeddedFont>
     <p:embeddedFont>
-      <p:font typeface="Noto Sans" panose="020B0502040504020204" pitchFamily="34" charset="0"/>
+      <p:font typeface="Noto Sans" panose="020B0604020202020204" charset="0"/>
       <p:regular r:id="rId20"/>
       <p:bold r:id="rId21"/>
       <p:italic r:id="rId22"/>
@@ -277,7 +277,7 @@
       <p15:sldGuideLst xmlns:p15="http://schemas.microsoft.com/office/powerpoint/2012/main"/>
     </p:ext>
     <p:ext uri="http://customooxmlschemas.google.com/">
-      <go:slidesCustomData xmlns:go="http://customooxmlschemas.google.com/" xmlns:ahyp="http://schemas.microsoft.com/office/drawing/2018/hyperlinkcolor" xmlns:p15="http://schemas.microsoft.com/office/powerpoint/2012/main" xmlns:p14="http://schemas.microsoft.com/office/powerpoint/2010/main" xmlns:com="http://schemas.openxmlformats.org/drawingml/2006/compatibility" xmlns:pvml="urn:schemas-microsoft-com:office:powerpoint" xmlns:v="urn:schemas-microsoft-com:vml" xmlns:o="urn:schemas-microsoft-com:office:office" xmlns:dgm="http://schemas.openxmlformats.org/drawingml/2006/diagram" xmlns:c="http://schemas.openxmlformats.org/drawingml/2006/chart" xmlns:mv="urn:schemas-microsoft-com:mac:vml" xmlns:mc="http://schemas.openxmlformats.org/markup-compatibility/2006" xmlns="" r:id="rId36" roundtripDataSignature="AMtx7mgImEXT7br/j7sPzJtX4DtPSu/szA=="/>
+      <go:slidesCustomData xmlns="" xmlns:mc="http://schemas.openxmlformats.org/markup-compatibility/2006" xmlns:mv="urn:schemas-microsoft-com:mac:vml" xmlns:c="http://schemas.openxmlformats.org/drawingml/2006/chart" xmlns:dgm="http://schemas.openxmlformats.org/drawingml/2006/diagram" xmlns:o="urn:schemas-microsoft-com:office:office" xmlns:v="urn:schemas-microsoft-com:vml" xmlns:pvml="urn:schemas-microsoft-com:office:powerpoint" xmlns:com="http://schemas.openxmlformats.org/drawingml/2006/compatibility" xmlns:p14="http://schemas.microsoft.com/office/powerpoint/2010/main" xmlns:p15="http://schemas.microsoft.com/office/powerpoint/2012/main" xmlns:ahyp="http://schemas.microsoft.com/office/drawing/2018/hyperlinkcolor" xmlns:go="http://customooxmlschemas.google.com/" r:id="rId36" roundtripDataSignature="AMtx7mgImEXT7br/j7sPzJtX4DtPSu/szA=="/>
     </p:ext>
   </p:extLst>
 </p:presentation>
@@ -17692,7 +17692,7 @@
         <p:fade/>
       </p:transition>
     </mc:Choice>
-    <mc:Fallback xmlns:ahyp="http://schemas.microsoft.com/office/drawing/2018/hyperlinkcolor" xmlns:p15="http://schemas.microsoft.com/office/powerpoint/2012/main" xmlns:com="http://schemas.openxmlformats.org/drawingml/2006/compatibility" xmlns:pvml="urn:schemas-microsoft-com:office:powerpoint" xmlns:v="urn:schemas-microsoft-com:vml" xmlns:o="urn:schemas-microsoft-com:office:office" xmlns:dgm="http://schemas.openxmlformats.org/drawingml/2006/diagram" xmlns:c="http://schemas.openxmlformats.org/drawingml/2006/chart" xmlns:mv="urn:schemas-microsoft-com:mac:vml" xmlns="">
+    <mc:Fallback xmlns="" xmlns:mv="urn:schemas-microsoft-com:mac:vml" xmlns:c="http://schemas.openxmlformats.org/drawingml/2006/chart" xmlns:dgm="http://schemas.openxmlformats.org/drawingml/2006/diagram" xmlns:o="urn:schemas-microsoft-com:office:office" xmlns:v="urn:schemas-microsoft-com:vml" xmlns:pvml="urn:schemas-microsoft-com:office:powerpoint" xmlns:com="http://schemas.openxmlformats.org/drawingml/2006/compatibility" xmlns:p15="http://schemas.microsoft.com/office/powerpoint/2012/main" xmlns:ahyp="http://schemas.microsoft.com/office/drawing/2018/hyperlinkcolor">
       <p:transition spd="slow">
         <p:fade/>
       </p:transition>
@@ -18045,7 +18045,7 @@
         <p:fade/>
       </p:transition>
     </mc:Choice>
-    <mc:Fallback xmlns:ahyp="http://schemas.microsoft.com/office/drawing/2018/hyperlinkcolor" xmlns:p15="http://schemas.microsoft.com/office/powerpoint/2012/main" xmlns:com="http://schemas.openxmlformats.org/drawingml/2006/compatibility" xmlns:pvml="urn:schemas-microsoft-com:office:powerpoint" xmlns:v="urn:schemas-microsoft-com:vml" xmlns:o="urn:schemas-microsoft-com:office:office" xmlns:dgm="http://schemas.openxmlformats.org/drawingml/2006/diagram" xmlns:c="http://schemas.openxmlformats.org/drawingml/2006/chart" xmlns:mv="urn:schemas-microsoft-com:mac:vml" xmlns="">
+    <mc:Fallback xmlns="" xmlns:mv="urn:schemas-microsoft-com:mac:vml" xmlns:c="http://schemas.openxmlformats.org/drawingml/2006/chart" xmlns:dgm="http://schemas.openxmlformats.org/drawingml/2006/diagram" xmlns:o="urn:schemas-microsoft-com:office:office" xmlns:v="urn:schemas-microsoft-com:vml" xmlns:pvml="urn:schemas-microsoft-com:office:powerpoint" xmlns:com="http://schemas.openxmlformats.org/drawingml/2006/compatibility" xmlns:p15="http://schemas.microsoft.com/office/powerpoint/2012/main" xmlns:ahyp="http://schemas.microsoft.com/office/drawing/2018/hyperlinkcolor">
       <p:transition spd="slow">
         <p:fade/>
       </p:transition>
@@ -19235,7 +19235,7 @@
         <p:fade/>
       </p:transition>
     </mc:Choice>
-    <mc:Fallback xmlns:ahyp="http://schemas.microsoft.com/office/drawing/2018/hyperlinkcolor" xmlns:p15="http://schemas.microsoft.com/office/powerpoint/2012/main" xmlns:com="http://schemas.openxmlformats.org/drawingml/2006/compatibility" xmlns:pvml="urn:schemas-microsoft-com:office:powerpoint" xmlns:v="urn:schemas-microsoft-com:vml" xmlns:o="urn:schemas-microsoft-com:office:office" xmlns:dgm="http://schemas.openxmlformats.org/drawingml/2006/diagram" xmlns:c="http://schemas.openxmlformats.org/drawingml/2006/chart" xmlns:mv="urn:schemas-microsoft-com:mac:vml" xmlns="">
+    <mc:Fallback xmlns="" xmlns:mv="urn:schemas-microsoft-com:mac:vml" xmlns:c="http://schemas.openxmlformats.org/drawingml/2006/chart" xmlns:dgm="http://schemas.openxmlformats.org/drawingml/2006/diagram" xmlns:o="urn:schemas-microsoft-com:office:office" xmlns:v="urn:schemas-microsoft-com:vml" xmlns:pvml="urn:schemas-microsoft-com:office:powerpoint" xmlns:com="http://schemas.openxmlformats.org/drawingml/2006/compatibility" xmlns:p15="http://schemas.microsoft.com/office/powerpoint/2012/main" xmlns:ahyp="http://schemas.microsoft.com/office/drawing/2018/hyperlinkcolor">
       <p:transition spd="slow">
         <p:fade/>
       </p:transition>
@@ -20102,7 +20102,7 @@
         <p:fade/>
       </p:transition>
     </mc:Choice>
-    <mc:Fallback xmlns:ahyp="http://schemas.microsoft.com/office/drawing/2018/hyperlinkcolor" xmlns:p15="http://schemas.microsoft.com/office/powerpoint/2012/main" xmlns:com="http://schemas.openxmlformats.org/drawingml/2006/compatibility" xmlns:pvml="urn:schemas-microsoft-com:office:powerpoint" xmlns:v="urn:schemas-microsoft-com:vml" xmlns:o="urn:schemas-microsoft-com:office:office" xmlns:dgm="http://schemas.openxmlformats.org/drawingml/2006/diagram" xmlns:c="http://schemas.openxmlformats.org/drawingml/2006/chart" xmlns:mv="urn:schemas-microsoft-com:mac:vml" xmlns="">
+    <mc:Fallback xmlns="" xmlns:mv="urn:schemas-microsoft-com:mac:vml" xmlns:c="http://schemas.openxmlformats.org/drawingml/2006/chart" xmlns:dgm="http://schemas.openxmlformats.org/drawingml/2006/diagram" xmlns:o="urn:schemas-microsoft-com:office:office" xmlns:v="urn:schemas-microsoft-com:vml" xmlns:pvml="urn:schemas-microsoft-com:office:powerpoint" xmlns:com="http://schemas.openxmlformats.org/drawingml/2006/compatibility" xmlns:p15="http://schemas.microsoft.com/office/powerpoint/2012/main" xmlns:ahyp="http://schemas.microsoft.com/office/drawing/2018/hyperlinkcolor">
       <p:transition spd="slow">
         <p:fade/>
       </p:transition>
@@ -20774,7 +20774,7 @@
         <p:fade/>
       </p:transition>
     </mc:Choice>
-    <mc:Fallback xmlns:ahyp="http://schemas.microsoft.com/office/drawing/2018/hyperlinkcolor" xmlns:p15="http://schemas.microsoft.com/office/powerpoint/2012/main" xmlns:com="http://schemas.openxmlformats.org/drawingml/2006/compatibility" xmlns:pvml="urn:schemas-microsoft-com:office:powerpoint" xmlns:v="urn:schemas-microsoft-com:vml" xmlns:o="urn:schemas-microsoft-com:office:office" xmlns:dgm="http://schemas.openxmlformats.org/drawingml/2006/diagram" xmlns:c="http://schemas.openxmlformats.org/drawingml/2006/chart" xmlns:mv="urn:schemas-microsoft-com:mac:vml" xmlns="">
+    <mc:Fallback xmlns="" xmlns:mv="urn:schemas-microsoft-com:mac:vml" xmlns:c="http://schemas.openxmlformats.org/drawingml/2006/chart" xmlns:dgm="http://schemas.openxmlformats.org/drawingml/2006/diagram" xmlns:o="urn:schemas-microsoft-com:office:office" xmlns:v="urn:schemas-microsoft-com:vml" xmlns:pvml="urn:schemas-microsoft-com:office:powerpoint" xmlns:com="http://schemas.openxmlformats.org/drawingml/2006/compatibility" xmlns:p15="http://schemas.microsoft.com/office/powerpoint/2012/main" xmlns:ahyp="http://schemas.microsoft.com/office/drawing/2018/hyperlinkcolor">
       <p:transition spd="slow">
         <p:fade/>
       </p:transition>
@@ -21494,13 +21494,16 @@
             </a:pPr>
             <a:r>
               <a:rPr lang="fr-FR" sz="2000" dirty="0"/>
-              <a:t>Présenter certains </a:t>
+              <a:t>Mettre en avant des vidéos et des </a:t>
             </a:r>
             <a:r>
               <a:rPr lang="fr-FR" sz="2000" dirty="0" err="1"/>
               <a:t>runners</a:t>
             </a:r>
-            <a:endParaRPr lang="fr-FR" sz="2000" dirty="0"/>
+            <a:r>
+              <a:rPr lang="fr-FR" sz="2000" dirty="0"/>
+              <a:t> intéressants</a:t>
+            </a:r>
           </a:p>
           <a:p>
             <a:pPr marL="342900" indent="-342900" algn="just">
@@ -21594,7 +21597,7 @@
         <p:fade/>
       </p:transition>
     </mc:Choice>
-    <mc:Fallback xmlns:ahyp="http://schemas.microsoft.com/office/drawing/2018/hyperlinkcolor" xmlns:p15="http://schemas.microsoft.com/office/powerpoint/2012/main" xmlns:com="http://schemas.openxmlformats.org/drawingml/2006/compatibility" xmlns:pvml="urn:schemas-microsoft-com:office:powerpoint" xmlns:v="urn:schemas-microsoft-com:vml" xmlns:o="urn:schemas-microsoft-com:office:office" xmlns:dgm="http://schemas.openxmlformats.org/drawingml/2006/diagram" xmlns:c="http://schemas.openxmlformats.org/drawingml/2006/chart" xmlns:mv="urn:schemas-microsoft-com:mac:vml" xmlns="">
+    <mc:Fallback xmlns="" xmlns:mv="urn:schemas-microsoft-com:mac:vml" xmlns:c="http://schemas.openxmlformats.org/drawingml/2006/chart" xmlns:dgm="http://schemas.openxmlformats.org/drawingml/2006/diagram" xmlns:o="urn:schemas-microsoft-com:office:office" xmlns:v="urn:schemas-microsoft-com:vml" xmlns:pvml="urn:schemas-microsoft-com:office:powerpoint" xmlns:com="http://schemas.openxmlformats.org/drawingml/2006/compatibility" xmlns:p15="http://schemas.microsoft.com/office/powerpoint/2012/main" xmlns:ahyp="http://schemas.microsoft.com/office/drawing/2018/hyperlinkcolor">
       <p:transition spd="slow">
         <p:fade/>
       </p:transition>
@@ -22381,7 +22384,7 @@
         <p:fade/>
       </p:transition>
     </mc:Choice>
-    <mc:Fallback xmlns:ahyp="http://schemas.microsoft.com/office/drawing/2018/hyperlinkcolor" xmlns:p15="http://schemas.microsoft.com/office/powerpoint/2012/main" xmlns:com="http://schemas.openxmlformats.org/drawingml/2006/compatibility" xmlns:pvml="urn:schemas-microsoft-com:office:powerpoint" xmlns:v="urn:schemas-microsoft-com:vml" xmlns:o="urn:schemas-microsoft-com:office:office" xmlns:dgm="http://schemas.openxmlformats.org/drawingml/2006/diagram" xmlns:c="http://schemas.openxmlformats.org/drawingml/2006/chart" xmlns:mv="urn:schemas-microsoft-com:mac:vml" xmlns="">
+    <mc:Fallback xmlns="" xmlns:mv="urn:schemas-microsoft-com:mac:vml" xmlns:c="http://schemas.openxmlformats.org/drawingml/2006/chart" xmlns:dgm="http://schemas.openxmlformats.org/drawingml/2006/diagram" xmlns:o="urn:schemas-microsoft-com:office:office" xmlns:v="urn:schemas-microsoft-com:vml" xmlns:pvml="urn:schemas-microsoft-com:office:powerpoint" xmlns:com="http://schemas.openxmlformats.org/drawingml/2006/compatibility" xmlns:p15="http://schemas.microsoft.com/office/powerpoint/2012/main" xmlns:ahyp="http://schemas.microsoft.com/office/drawing/2018/hyperlinkcolor">
       <p:transition spd="slow">
         <p:fade/>
       </p:transition>
@@ -23723,7 +23726,7 @@
         <p:fade/>
       </p:transition>
     </mc:Choice>
-    <mc:Fallback xmlns:ahyp="http://schemas.microsoft.com/office/drawing/2018/hyperlinkcolor" xmlns:p15="http://schemas.microsoft.com/office/powerpoint/2012/main" xmlns:com="http://schemas.openxmlformats.org/drawingml/2006/compatibility" xmlns:pvml="urn:schemas-microsoft-com:office:powerpoint" xmlns:v="urn:schemas-microsoft-com:vml" xmlns:o="urn:schemas-microsoft-com:office:office" xmlns:dgm="http://schemas.openxmlformats.org/drawingml/2006/diagram" xmlns:c="http://schemas.openxmlformats.org/drawingml/2006/chart" xmlns:mv="urn:schemas-microsoft-com:mac:vml" xmlns="">
+    <mc:Fallback xmlns="" xmlns:mv="urn:schemas-microsoft-com:mac:vml" xmlns:c="http://schemas.openxmlformats.org/drawingml/2006/chart" xmlns:dgm="http://schemas.openxmlformats.org/drawingml/2006/diagram" xmlns:o="urn:schemas-microsoft-com:office:office" xmlns:v="urn:schemas-microsoft-com:vml" xmlns:pvml="urn:schemas-microsoft-com:office:powerpoint" xmlns:com="http://schemas.openxmlformats.org/drawingml/2006/compatibility" xmlns:p15="http://schemas.microsoft.com/office/powerpoint/2012/main" xmlns:ahyp="http://schemas.microsoft.com/office/drawing/2018/hyperlinkcolor">
       <p:transition spd="slow">
         <p:fade/>
       </p:transition>
@@ -25956,7 +25959,7 @@
         <p:fade/>
       </p:transition>
     </mc:Choice>
-    <mc:Fallback xmlns:ahyp="http://schemas.microsoft.com/office/drawing/2018/hyperlinkcolor" xmlns:p15="http://schemas.microsoft.com/office/powerpoint/2012/main" xmlns:com="http://schemas.openxmlformats.org/drawingml/2006/compatibility" xmlns:pvml="urn:schemas-microsoft-com:office:powerpoint" xmlns:v="urn:schemas-microsoft-com:vml" xmlns:o="urn:schemas-microsoft-com:office:office" xmlns:dgm="http://schemas.openxmlformats.org/drawingml/2006/diagram" xmlns:c="http://schemas.openxmlformats.org/drawingml/2006/chart" xmlns:mv="urn:schemas-microsoft-com:mac:vml" xmlns="">
+    <mc:Fallback xmlns="" xmlns:mv="urn:schemas-microsoft-com:mac:vml" xmlns:c="http://schemas.openxmlformats.org/drawingml/2006/chart" xmlns:dgm="http://schemas.openxmlformats.org/drawingml/2006/diagram" xmlns:o="urn:schemas-microsoft-com:office:office" xmlns:v="urn:schemas-microsoft-com:vml" xmlns:pvml="urn:schemas-microsoft-com:office:powerpoint" xmlns:com="http://schemas.openxmlformats.org/drawingml/2006/compatibility" xmlns:p15="http://schemas.microsoft.com/office/powerpoint/2012/main" xmlns:ahyp="http://schemas.microsoft.com/office/drawing/2018/hyperlinkcolor">
       <p:transition spd="slow">
         <p:fade/>
       </p:transition>
@@ -27575,7 +27578,7 @@
         <p:fade/>
       </p:transition>
     </mc:Choice>
-    <mc:Fallback xmlns:ahyp="http://schemas.microsoft.com/office/drawing/2018/hyperlinkcolor" xmlns:p15="http://schemas.microsoft.com/office/powerpoint/2012/main" xmlns:com="http://schemas.openxmlformats.org/drawingml/2006/compatibility" xmlns:pvml="urn:schemas-microsoft-com:office:powerpoint" xmlns:v="urn:schemas-microsoft-com:vml" xmlns:o="urn:schemas-microsoft-com:office:office" xmlns:dgm="http://schemas.openxmlformats.org/drawingml/2006/diagram" xmlns:c="http://schemas.openxmlformats.org/drawingml/2006/chart" xmlns:mv="urn:schemas-microsoft-com:mac:vml" xmlns="">
+    <mc:Fallback xmlns="" xmlns:mv="urn:schemas-microsoft-com:mac:vml" xmlns:c="http://schemas.openxmlformats.org/drawingml/2006/chart" xmlns:dgm="http://schemas.openxmlformats.org/drawingml/2006/diagram" xmlns:o="urn:schemas-microsoft-com:office:office" xmlns:v="urn:schemas-microsoft-com:vml" xmlns:pvml="urn:schemas-microsoft-com:office:powerpoint" xmlns:com="http://schemas.openxmlformats.org/drawingml/2006/compatibility" xmlns:p15="http://schemas.microsoft.com/office/powerpoint/2012/main" xmlns:ahyp="http://schemas.microsoft.com/office/drawing/2018/hyperlinkcolor">
       <p:transition spd="slow">
         <p:fade/>
       </p:transition>
@@ -28741,7 +28744,7 @@
         <p:fade/>
       </p:transition>
     </mc:Choice>
-    <mc:Fallback xmlns:ahyp="http://schemas.microsoft.com/office/drawing/2018/hyperlinkcolor" xmlns:p15="http://schemas.microsoft.com/office/powerpoint/2012/main" xmlns:com="http://schemas.openxmlformats.org/drawingml/2006/compatibility" xmlns:pvml="urn:schemas-microsoft-com:office:powerpoint" xmlns:v="urn:schemas-microsoft-com:vml" xmlns:o="urn:schemas-microsoft-com:office:office" xmlns:dgm="http://schemas.openxmlformats.org/drawingml/2006/diagram" xmlns:c="http://schemas.openxmlformats.org/drawingml/2006/chart" xmlns:mv="urn:schemas-microsoft-com:mac:vml" xmlns="">
+    <mc:Fallback xmlns="" xmlns:mv="urn:schemas-microsoft-com:mac:vml" xmlns:c="http://schemas.openxmlformats.org/drawingml/2006/chart" xmlns:dgm="http://schemas.openxmlformats.org/drawingml/2006/diagram" xmlns:o="urn:schemas-microsoft-com:office:office" xmlns:v="urn:schemas-microsoft-com:vml" xmlns:pvml="urn:schemas-microsoft-com:office:powerpoint" xmlns:com="http://schemas.openxmlformats.org/drawingml/2006/compatibility" xmlns:p15="http://schemas.microsoft.com/office/powerpoint/2012/main" xmlns:ahyp="http://schemas.microsoft.com/office/drawing/2018/hyperlinkcolor">
       <p:transition spd="slow">
         <p:fade/>
       </p:transition>
